--- a/final_report/final_presentation.pptx
+++ b/final_report/final_presentation.pptx
@@ -182,7 +182,7 @@
           <a:noFill/>
           <a:extLst>
             <a:ext uri="{909E8E84-426E-40dd-AFC4-6F175D3DCCD1}">
-              <a14:hiddenFill xmlns:a14="http://schemas.microsoft.com/office/drawing/2010/main" xmlns="">
+              <a14:hiddenFill xmlns="" xmlns:a14="http://schemas.microsoft.com/office/drawing/2010/main">
                 <a:solidFill>
                   <a:srgbClr val="FFFFFF"/>
                 </a:solidFill>
@@ -242,7 +242,7 @@
             </a:ln>
             <a:extLst>
               <a:ext uri="{91240B29-F687-4f45-9708-019B960494DF}">
-                <a14:hiddenLine xmlns:a14="http://schemas.microsoft.com/office/drawing/2010/main" xmlns="" w="9525">
+                <a14:hiddenLine xmlns="" xmlns:a14="http://schemas.microsoft.com/office/drawing/2010/main" w="9525">
                   <a:solidFill>
                     <a:srgbClr val="000000"/>
                   </a:solidFill>
@@ -332,7 +332,7 @@
             </a:ln>
             <a:extLst>
               <a:ext uri="{91240B29-F687-4f45-9708-019B960494DF}">
-                <a14:hiddenLine xmlns:a14="http://schemas.microsoft.com/office/drawing/2010/main" xmlns="" w="9525">
+                <a14:hiddenLine xmlns="" xmlns:a14="http://schemas.microsoft.com/office/drawing/2010/main" w="9525">
                   <a:solidFill>
                     <a:srgbClr val="000000"/>
                   </a:solidFill>
@@ -422,7 +422,7 @@
             </a:ln>
             <a:extLst>
               <a:ext uri="{91240B29-F687-4f45-9708-019B960494DF}">
-                <a14:hiddenLine xmlns:a14="http://schemas.microsoft.com/office/drawing/2010/main" xmlns="" w="9525">
+                <a14:hiddenLine xmlns="" xmlns:a14="http://schemas.microsoft.com/office/drawing/2010/main" w="9525">
                   <a:solidFill>
                     <a:srgbClr val="000000"/>
                   </a:solidFill>
@@ -456,7 +456,7 @@
             </a:ln>
             <a:extLst>
               <a:ext uri="{91240B29-F687-4f45-9708-019B960494DF}">
-                <a14:hiddenLine xmlns:a14="http://schemas.microsoft.com/office/drawing/2010/main" xmlns="" w="9525">
+                <a14:hiddenLine xmlns="" xmlns:a14="http://schemas.microsoft.com/office/drawing/2010/main" w="9525">
                   <a:solidFill>
                     <a:srgbClr val="000000"/>
                   </a:solidFill>
@@ -546,7 +546,7 @@
             </a:ln>
             <a:extLst>
               <a:ext uri="{91240B29-F687-4f45-9708-019B960494DF}">
-                <a14:hiddenLine xmlns:a14="http://schemas.microsoft.com/office/drawing/2010/main" xmlns="" w="9525">
+                <a14:hiddenLine xmlns="" xmlns:a14="http://schemas.microsoft.com/office/drawing/2010/main" w="9525">
                   <a:solidFill>
                     <a:srgbClr val="000000"/>
                   </a:solidFill>
@@ -608,7 +608,7 @@
             </a:ln>
             <a:extLst>
               <a:ext uri="{91240B29-F687-4f45-9708-019B960494DF}">
-                <a14:hiddenLine xmlns:a14="http://schemas.microsoft.com/office/drawing/2010/main" xmlns="" w="9525">
+                <a14:hiddenLine xmlns="" xmlns:a14="http://schemas.microsoft.com/office/drawing/2010/main" w="9525">
                   <a:solidFill>
                     <a:srgbClr val="000000"/>
                   </a:solidFill>
@@ -670,7 +670,7 @@
             </a:ln>
             <a:extLst>
               <a:ext uri="{91240B29-F687-4f45-9708-019B960494DF}">
-                <a14:hiddenLine xmlns:a14="http://schemas.microsoft.com/office/drawing/2010/main" xmlns="" w="9525">
+                <a14:hiddenLine xmlns="" xmlns:a14="http://schemas.microsoft.com/office/drawing/2010/main" w="9525">
                   <a:solidFill>
                     <a:srgbClr val="000000"/>
                   </a:solidFill>
@@ -760,7 +760,7 @@
             </a:ln>
             <a:extLst>
               <a:ext uri="{91240B29-F687-4f45-9708-019B960494DF}">
-                <a14:hiddenLine xmlns:a14="http://schemas.microsoft.com/office/drawing/2010/main" xmlns="" w="9525">
+                <a14:hiddenLine xmlns="" xmlns:a14="http://schemas.microsoft.com/office/drawing/2010/main" w="9525">
                   <a:solidFill>
                     <a:srgbClr val="000000"/>
                   </a:solidFill>
@@ -822,7 +822,7 @@
             </a:ln>
             <a:extLst>
               <a:ext uri="{91240B29-F687-4f45-9708-019B960494DF}">
-                <a14:hiddenLine xmlns:a14="http://schemas.microsoft.com/office/drawing/2010/main" xmlns="" w="9525">
+                <a14:hiddenLine xmlns="" xmlns:a14="http://schemas.microsoft.com/office/drawing/2010/main" w="9525">
                   <a:solidFill>
                     <a:srgbClr val="000000"/>
                   </a:solidFill>
@@ -884,7 +884,7 @@
             </a:ln>
             <a:extLst>
               <a:ext uri="{91240B29-F687-4f45-9708-019B960494DF}">
-                <a14:hiddenLine xmlns:a14="http://schemas.microsoft.com/office/drawing/2010/main" xmlns="" w="9525">
+                <a14:hiddenLine xmlns="" xmlns:a14="http://schemas.microsoft.com/office/drawing/2010/main" w="9525">
                   <a:solidFill>
                     <a:srgbClr val="000000"/>
                   </a:solidFill>
@@ -974,7 +974,7 @@
             </a:ln>
             <a:extLst>
               <a:ext uri="{91240B29-F687-4f45-9708-019B960494DF}">
-                <a14:hiddenLine xmlns:a14="http://schemas.microsoft.com/office/drawing/2010/main" xmlns="" w="9525">
+                <a14:hiddenLine xmlns="" xmlns:a14="http://schemas.microsoft.com/office/drawing/2010/main" w="9525">
                   <a:solidFill>
                     <a:srgbClr val="000000"/>
                   </a:solidFill>
@@ -1064,7 +1064,7 @@
             </a:ln>
             <a:extLst>
               <a:ext uri="{91240B29-F687-4f45-9708-019B960494DF}">
-                <a14:hiddenLine xmlns:a14="http://schemas.microsoft.com/office/drawing/2010/main" xmlns="" w="9525">
+                <a14:hiddenLine xmlns="" xmlns:a14="http://schemas.microsoft.com/office/drawing/2010/main" w="9525">
                   <a:solidFill>
                     <a:srgbClr val="000000"/>
                   </a:solidFill>
@@ -1126,7 +1126,7 @@
             </a:ln>
             <a:extLst>
               <a:ext uri="{91240B29-F687-4f45-9708-019B960494DF}">
-                <a14:hiddenLine xmlns:a14="http://schemas.microsoft.com/office/drawing/2010/main" xmlns="" w="9525">
+                <a14:hiddenLine xmlns="" xmlns:a14="http://schemas.microsoft.com/office/drawing/2010/main" w="9525">
                   <a:solidFill>
                     <a:srgbClr val="000000"/>
                   </a:solidFill>
@@ -1236,7 +1236,7 @@
             </a:ln>
             <a:extLst>
               <a:ext uri="{91240B29-F687-4f45-9708-019B960494DF}">
-                <a14:hiddenLine xmlns:a14="http://schemas.microsoft.com/office/drawing/2010/main" xmlns="" w="9525">
+                <a14:hiddenLine xmlns="" xmlns:a14="http://schemas.microsoft.com/office/drawing/2010/main" w="9525">
                   <a:solidFill>
                     <a:srgbClr val="000000"/>
                   </a:solidFill>
@@ -1298,7 +1298,7 @@
             </a:ln>
             <a:extLst>
               <a:ext uri="{91240B29-F687-4f45-9708-019B960494DF}">
-                <a14:hiddenLine xmlns:a14="http://schemas.microsoft.com/office/drawing/2010/main" xmlns="" w="9525">
+                <a14:hiddenLine xmlns="" xmlns:a14="http://schemas.microsoft.com/office/drawing/2010/main" w="9525">
                   <a:solidFill>
                     <a:srgbClr val="000000"/>
                   </a:solidFill>
@@ -1388,7 +1388,7 @@
             </a:ln>
             <a:extLst>
               <a:ext uri="{91240B29-F687-4f45-9708-019B960494DF}">
-                <a14:hiddenLine xmlns:a14="http://schemas.microsoft.com/office/drawing/2010/main" xmlns="" w="9525">
+                <a14:hiddenLine xmlns="" xmlns:a14="http://schemas.microsoft.com/office/drawing/2010/main" w="9525">
                   <a:solidFill>
                     <a:srgbClr val="000000"/>
                   </a:solidFill>
@@ -1478,7 +1478,7 @@
             </a:ln>
             <a:extLst>
               <a:ext uri="{91240B29-F687-4f45-9708-019B960494DF}">
-                <a14:hiddenLine xmlns:a14="http://schemas.microsoft.com/office/drawing/2010/main" xmlns="" w="9525">
+                <a14:hiddenLine xmlns="" xmlns:a14="http://schemas.microsoft.com/office/drawing/2010/main" w="9525">
                   <a:solidFill>
                     <a:srgbClr val="000000"/>
                   </a:solidFill>
@@ -1540,7 +1540,7 @@
             </a:ln>
             <a:extLst>
               <a:ext uri="{91240B29-F687-4f45-9708-019B960494DF}">
-                <a14:hiddenLine xmlns:a14="http://schemas.microsoft.com/office/drawing/2010/main" xmlns="" w="9525">
+                <a14:hiddenLine xmlns="" xmlns:a14="http://schemas.microsoft.com/office/drawing/2010/main" w="9525">
                   <a:solidFill>
                     <a:srgbClr val="000000"/>
                   </a:solidFill>
@@ -1630,7 +1630,7 @@
             </a:ln>
             <a:extLst>
               <a:ext uri="{91240B29-F687-4f45-9708-019B960494DF}">
-                <a14:hiddenLine xmlns:a14="http://schemas.microsoft.com/office/drawing/2010/main" xmlns="" w="9525">
+                <a14:hiddenLine xmlns="" xmlns:a14="http://schemas.microsoft.com/office/drawing/2010/main" w="9525">
                   <a:solidFill>
                     <a:srgbClr val="000000"/>
                   </a:solidFill>
@@ -1720,7 +1720,7 @@
             </a:ln>
             <a:extLst>
               <a:ext uri="{91240B29-F687-4f45-9708-019B960494DF}">
-                <a14:hiddenLine xmlns:a14="http://schemas.microsoft.com/office/drawing/2010/main" xmlns="" w="9525">
+                <a14:hiddenLine xmlns="" xmlns:a14="http://schemas.microsoft.com/office/drawing/2010/main" w="9525">
                   <a:solidFill>
                     <a:srgbClr val="000000"/>
                   </a:solidFill>
@@ -1776,7 +1776,7 @@
             </a:ln>
             <a:extLst>
               <a:ext uri="{91240B29-F687-4f45-9708-019B960494DF}">
-                <a14:hiddenLine xmlns:a14="http://schemas.microsoft.com/office/drawing/2010/main" xmlns="" w="9525">
+                <a14:hiddenLine xmlns="" xmlns:a14="http://schemas.microsoft.com/office/drawing/2010/main" w="9525">
                   <a:solidFill>
                     <a:srgbClr val="000000"/>
                   </a:solidFill>
@@ -1866,7 +1866,7 @@
             </a:ln>
             <a:extLst>
               <a:ext uri="{91240B29-F687-4f45-9708-019B960494DF}">
-                <a14:hiddenLine xmlns:a14="http://schemas.microsoft.com/office/drawing/2010/main" xmlns="" w="9525">
+                <a14:hiddenLine xmlns="" xmlns:a14="http://schemas.microsoft.com/office/drawing/2010/main" w="9525">
                   <a:solidFill>
                     <a:srgbClr val="000000"/>
                   </a:solidFill>
@@ -1922,7 +1922,7 @@
             </a:ln>
             <a:extLst>
               <a:ext uri="{91240B29-F687-4f45-9708-019B960494DF}">
-                <a14:hiddenLine xmlns:a14="http://schemas.microsoft.com/office/drawing/2010/main" xmlns="" w="9525">
+                <a14:hiddenLine xmlns="" xmlns:a14="http://schemas.microsoft.com/office/drawing/2010/main" w="9525">
                   <a:solidFill>
                     <a:srgbClr val="000000"/>
                   </a:solidFill>
@@ -2012,7 +2012,7 @@
             </a:ln>
             <a:extLst>
               <a:ext uri="{91240B29-F687-4f45-9708-019B960494DF}">
-                <a14:hiddenLine xmlns:a14="http://schemas.microsoft.com/office/drawing/2010/main" xmlns="" w="9525">
+                <a14:hiddenLine xmlns="" xmlns:a14="http://schemas.microsoft.com/office/drawing/2010/main" w="9525">
                   <a:solidFill>
                     <a:srgbClr val="000000"/>
                   </a:solidFill>
@@ -2080,7 +2080,7 @@
             </a:ln>
             <a:extLst>
               <a:ext uri="{91240B29-F687-4f45-9708-019B960494DF}">
-                <a14:hiddenLine xmlns:a14="http://schemas.microsoft.com/office/drawing/2010/main" xmlns="" w="9525">
+                <a14:hiddenLine xmlns="" xmlns:a14="http://schemas.microsoft.com/office/drawing/2010/main" w="9525">
                   <a:solidFill>
                     <a:srgbClr val="000000"/>
                   </a:solidFill>
@@ -2170,7 +2170,7 @@
             </a:ln>
             <a:extLst>
               <a:ext uri="{91240B29-F687-4f45-9708-019B960494DF}">
-                <a14:hiddenLine xmlns:a14="http://schemas.microsoft.com/office/drawing/2010/main" xmlns="" w="9525">
+                <a14:hiddenLine xmlns="" xmlns:a14="http://schemas.microsoft.com/office/drawing/2010/main" w="9525">
                   <a:solidFill>
                     <a:srgbClr val="000000"/>
                   </a:solidFill>
@@ -2238,7 +2238,7 @@
             </a:ln>
             <a:extLst>
               <a:ext uri="{91240B29-F687-4f45-9708-019B960494DF}">
-                <a14:hiddenLine xmlns:a14="http://schemas.microsoft.com/office/drawing/2010/main" xmlns="" w="9525">
+                <a14:hiddenLine xmlns="" xmlns:a14="http://schemas.microsoft.com/office/drawing/2010/main" w="9525">
                   <a:solidFill>
                     <a:srgbClr val="000000"/>
                   </a:solidFill>
@@ -2328,7 +2328,7 @@
             </a:ln>
             <a:extLst>
               <a:ext uri="{91240B29-F687-4f45-9708-019B960494DF}">
-                <a14:hiddenLine xmlns:a14="http://schemas.microsoft.com/office/drawing/2010/main" xmlns="" w="9525">
+                <a14:hiddenLine xmlns="" xmlns:a14="http://schemas.microsoft.com/office/drawing/2010/main" w="9525">
                   <a:solidFill>
                     <a:srgbClr val="000000"/>
                   </a:solidFill>
@@ -2362,7 +2362,7 @@
             </a:ln>
             <a:extLst>
               <a:ext uri="{91240B29-F687-4f45-9708-019B960494DF}">
-                <a14:hiddenLine xmlns:a14="http://schemas.microsoft.com/office/drawing/2010/main" xmlns="" w="9525">
+                <a14:hiddenLine xmlns="" xmlns:a14="http://schemas.microsoft.com/office/drawing/2010/main" w="9525">
                   <a:solidFill>
                     <a:srgbClr val="000000"/>
                   </a:solidFill>
@@ -2452,7 +2452,7 @@
             </a:ln>
             <a:extLst>
               <a:ext uri="{91240B29-F687-4f45-9708-019B960494DF}">
-                <a14:hiddenLine xmlns:a14="http://schemas.microsoft.com/office/drawing/2010/main" xmlns="" w="9525">
+                <a14:hiddenLine xmlns="" xmlns:a14="http://schemas.microsoft.com/office/drawing/2010/main" w="9525">
                   <a:solidFill>
                     <a:srgbClr val="000000"/>
                   </a:solidFill>
@@ -2514,7 +2514,7 @@
             </a:ln>
             <a:extLst>
               <a:ext uri="{91240B29-F687-4f45-9708-019B960494DF}">
-                <a14:hiddenLine xmlns:a14="http://schemas.microsoft.com/office/drawing/2010/main" xmlns="" w="9525">
+                <a14:hiddenLine xmlns="" xmlns:a14="http://schemas.microsoft.com/office/drawing/2010/main" w="9525">
                   <a:solidFill>
                     <a:srgbClr val="000000"/>
                   </a:solidFill>
@@ -2576,7 +2576,7 @@
             </a:ln>
             <a:extLst>
               <a:ext uri="{91240B29-F687-4f45-9708-019B960494DF}">
-                <a14:hiddenLine xmlns:a14="http://schemas.microsoft.com/office/drawing/2010/main" xmlns="" w="9525">
+                <a14:hiddenLine xmlns="" xmlns:a14="http://schemas.microsoft.com/office/drawing/2010/main" w="9525">
                   <a:solidFill>
                     <a:srgbClr val="000000"/>
                   </a:solidFill>
@@ -2666,7 +2666,7 @@
             </a:ln>
             <a:extLst>
               <a:ext uri="{91240B29-F687-4f45-9708-019B960494DF}">
-                <a14:hiddenLine xmlns:a14="http://schemas.microsoft.com/office/drawing/2010/main" xmlns="" w="9525">
+                <a14:hiddenLine xmlns="" xmlns:a14="http://schemas.microsoft.com/office/drawing/2010/main" w="9525">
                   <a:solidFill>
                     <a:srgbClr val="000000"/>
                   </a:solidFill>
@@ -2734,7 +2734,7 @@
             </a:ln>
             <a:extLst>
               <a:ext uri="{91240B29-F687-4f45-9708-019B960494DF}">
-                <a14:hiddenLine xmlns:a14="http://schemas.microsoft.com/office/drawing/2010/main" xmlns="" w="9525">
+                <a14:hiddenLine xmlns="" xmlns:a14="http://schemas.microsoft.com/office/drawing/2010/main" w="9525">
                   <a:solidFill>
                     <a:srgbClr val="000000"/>
                   </a:solidFill>
@@ -2796,7 +2796,7 @@
             </a:ln>
             <a:extLst>
               <a:ext uri="{91240B29-F687-4f45-9708-019B960494DF}">
-                <a14:hiddenLine xmlns:a14="http://schemas.microsoft.com/office/drawing/2010/main" xmlns="" w="9525">
+                <a14:hiddenLine xmlns="" xmlns:a14="http://schemas.microsoft.com/office/drawing/2010/main" w="9525">
                   <a:solidFill>
                     <a:srgbClr val="000000"/>
                   </a:solidFill>
@@ -2886,7 +2886,7 @@
             </a:ln>
             <a:extLst>
               <a:ext uri="{91240B29-F687-4f45-9708-019B960494DF}">
-                <a14:hiddenLine xmlns:a14="http://schemas.microsoft.com/office/drawing/2010/main" xmlns="" w="9525">
+                <a14:hiddenLine xmlns="" xmlns:a14="http://schemas.microsoft.com/office/drawing/2010/main" w="9525">
                   <a:solidFill>
                     <a:srgbClr val="000000"/>
                   </a:solidFill>
@@ -2948,7 +2948,7 @@
             </a:ln>
             <a:extLst>
               <a:ext uri="{91240B29-F687-4f45-9708-019B960494DF}">
-                <a14:hiddenLine xmlns:a14="http://schemas.microsoft.com/office/drawing/2010/main" xmlns="" w="9525">
+                <a14:hiddenLine xmlns="" xmlns:a14="http://schemas.microsoft.com/office/drawing/2010/main" w="9525">
                   <a:solidFill>
                     <a:srgbClr val="000000"/>
                   </a:solidFill>
@@ -3038,7 +3038,7 @@
             </a:ln>
             <a:extLst>
               <a:ext uri="{91240B29-F687-4f45-9708-019B960494DF}">
-                <a14:hiddenLine xmlns:a14="http://schemas.microsoft.com/office/drawing/2010/main" xmlns="" w="9525">
+                <a14:hiddenLine xmlns="" xmlns:a14="http://schemas.microsoft.com/office/drawing/2010/main" w="9525">
                   <a:solidFill>
                     <a:srgbClr val="000000"/>
                   </a:solidFill>
@@ -3100,7 +3100,7 @@
             </a:ln>
             <a:extLst>
               <a:ext uri="{91240B29-F687-4f45-9708-019B960494DF}">
-                <a14:hiddenLine xmlns:a14="http://schemas.microsoft.com/office/drawing/2010/main" xmlns="" w="9525">
+                <a14:hiddenLine xmlns="" xmlns:a14="http://schemas.microsoft.com/office/drawing/2010/main" w="9525">
                   <a:solidFill>
                     <a:srgbClr val="000000"/>
                   </a:solidFill>
@@ -3190,7 +3190,7 @@
             </a:ln>
             <a:extLst>
               <a:ext uri="{91240B29-F687-4f45-9708-019B960494DF}">
-                <a14:hiddenLine xmlns:a14="http://schemas.microsoft.com/office/drawing/2010/main" xmlns="" w="9525">
+                <a14:hiddenLine xmlns="" xmlns:a14="http://schemas.microsoft.com/office/drawing/2010/main" w="9525">
                   <a:solidFill>
                     <a:srgbClr val="000000"/>
                   </a:solidFill>
@@ -3224,7 +3224,7 @@
             </a:ln>
             <a:extLst>
               <a:ext uri="{91240B29-F687-4f45-9708-019B960494DF}">
-                <a14:hiddenLine xmlns:a14="http://schemas.microsoft.com/office/drawing/2010/main" xmlns="" w="9525">
+                <a14:hiddenLine xmlns="" xmlns:a14="http://schemas.microsoft.com/office/drawing/2010/main" w="9525">
                   <a:solidFill>
                     <a:srgbClr val="000000"/>
                   </a:solidFill>
@@ -3289,7 +3289,7 @@
             </a:ln>
             <a:extLst>
               <a:ext uri="{91240B29-F687-4f45-9708-019B960494DF}">
-                <a14:hiddenLine xmlns:a14="http://schemas.microsoft.com/office/drawing/2010/main" xmlns="" w="9525">
+                <a14:hiddenLine xmlns="" xmlns:a14="http://schemas.microsoft.com/office/drawing/2010/main" w="9525">
                   <a:solidFill>
                     <a:srgbClr val="000000"/>
                   </a:solidFill>
@@ -3379,7 +3379,7 @@
             </a:ln>
             <a:extLst>
               <a:ext uri="{91240B29-F687-4f45-9708-019B960494DF}">
-                <a14:hiddenLine xmlns:a14="http://schemas.microsoft.com/office/drawing/2010/main" xmlns="" w="9525">
+                <a14:hiddenLine xmlns="" xmlns:a14="http://schemas.microsoft.com/office/drawing/2010/main" w="9525">
                   <a:solidFill>
                     <a:srgbClr val="000000"/>
                   </a:solidFill>
@@ -3441,7 +3441,7 @@
             </a:ln>
             <a:extLst>
               <a:ext uri="{91240B29-F687-4f45-9708-019B960494DF}">
-                <a14:hiddenLine xmlns:a14="http://schemas.microsoft.com/office/drawing/2010/main" xmlns="" w="9525">
+                <a14:hiddenLine xmlns="" xmlns:a14="http://schemas.microsoft.com/office/drawing/2010/main" w="9525">
                   <a:solidFill>
                     <a:srgbClr val="000000"/>
                   </a:solidFill>
@@ -3531,7 +3531,7 @@
             </a:ln>
             <a:extLst>
               <a:ext uri="{91240B29-F687-4f45-9708-019B960494DF}">
-                <a14:hiddenLine xmlns:a14="http://schemas.microsoft.com/office/drawing/2010/main" xmlns="" w="9525">
+                <a14:hiddenLine xmlns="" xmlns:a14="http://schemas.microsoft.com/office/drawing/2010/main" w="9525">
                   <a:solidFill>
                     <a:srgbClr val="000000"/>
                   </a:solidFill>
@@ -3621,7 +3621,7 @@
             </a:ln>
             <a:extLst>
               <a:ext uri="{91240B29-F687-4f45-9708-019B960494DF}">
-                <a14:hiddenLine xmlns:a14="http://schemas.microsoft.com/office/drawing/2010/main" xmlns="" w="9525">
+                <a14:hiddenLine xmlns="" xmlns:a14="http://schemas.microsoft.com/office/drawing/2010/main" w="9525">
                   <a:solidFill>
                     <a:srgbClr val="000000"/>
                   </a:solidFill>
@@ -3686,7 +3686,7 @@
             </a:ln>
             <a:extLst>
               <a:ext uri="{91240B29-F687-4f45-9708-019B960494DF}">
-                <a14:hiddenLine xmlns:a14="http://schemas.microsoft.com/office/drawing/2010/main" xmlns="" w="9525">
+                <a14:hiddenLine xmlns="" xmlns:a14="http://schemas.microsoft.com/office/drawing/2010/main" w="9525">
                   <a:solidFill>
                     <a:srgbClr val="000000"/>
                   </a:solidFill>
@@ -3748,7 +3748,7 @@
             </a:ln>
             <a:extLst>
               <a:ext uri="{91240B29-F687-4f45-9708-019B960494DF}">
-                <a14:hiddenLine xmlns:a14="http://schemas.microsoft.com/office/drawing/2010/main" xmlns="" w="9525">
+                <a14:hiddenLine xmlns="" xmlns:a14="http://schemas.microsoft.com/office/drawing/2010/main" w="9525">
                   <a:solidFill>
                     <a:srgbClr val="000000"/>
                   </a:solidFill>
@@ -3838,7 +3838,7 @@
             </a:ln>
             <a:extLst>
               <a:ext uri="{91240B29-F687-4f45-9708-019B960494DF}">
-                <a14:hiddenLine xmlns:a14="http://schemas.microsoft.com/office/drawing/2010/main" xmlns="" w="9525">
+                <a14:hiddenLine xmlns="" xmlns:a14="http://schemas.microsoft.com/office/drawing/2010/main" w="9525">
                   <a:solidFill>
                     <a:srgbClr val="000000"/>
                   </a:solidFill>
@@ -3928,7 +3928,7 @@
             </a:ln>
             <a:extLst>
               <a:ext uri="{91240B29-F687-4f45-9708-019B960494DF}">
-                <a14:hiddenLine xmlns:a14="http://schemas.microsoft.com/office/drawing/2010/main" xmlns="" w="9525">
+                <a14:hiddenLine xmlns="" xmlns:a14="http://schemas.microsoft.com/office/drawing/2010/main" w="9525">
                   <a:solidFill>
                     <a:srgbClr val="000000"/>
                   </a:solidFill>
@@ -3990,7 +3990,7 @@
             </a:ln>
             <a:extLst>
               <a:ext uri="{91240B29-F687-4f45-9708-019B960494DF}">
-                <a14:hiddenLine xmlns:a14="http://schemas.microsoft.com/office/drawing/2010/main" xmlns="" w="9525">
+                <a14:hiddenLine xmlns="" xmlns:a14="http://schemas.microsoft.com/office/drawing/2010/main" w="9525">
                   <a:solidFill>
                     <a:srgbClr val="000000"/>
                   </a:solidFill>
@@ -4110,7 +4110,7 @@
             </a:ln>
             <a:extLst>
               <a:ext uri="{91240B29-F687-4f45-9708-019B960494DF}">
-                <a14:hiddenLine xmlns:a14="http://schemas.microsoft.com/office/drawing/2010/main" xmlns="" w="9525">
+                <a14:hiddenLine xmlns="" xmlns:a14="http://schemas.microsoft.com/office/drawing/2010/main" w="9525">
                   <a:solidFill>
                     <a:srgbClr val="000000"/>
                   </a:solidFill>
@@ -4178,7 +4178,7 @@
             </a:ln>
             <a:extLst>
               <a:ext uri="{91240B29-F687-4f45-9708-019B960494DF}">
-                <a14:hiddenLine xmlns:a14="http://schemas.microsoft.com/office/drawing/2010/main" xmlns="" w="9525">
+                <a14:hiddenLine xmlns="" xmlns:a14="http://schemas.microsoft.com/office/drawing/2010/main" w="9525">
                   <a:solidFill>
                     <a:srgbClr val="000000"/>
                   </a:solidFill>
@@ -4268,7 +4268,7 @@
             </a:ln>
             <a:extLst>
               <a:ext uri="{91240B29-F687-4f45-9708-019B960494DF}">
-                <a14:hiddenLine xmlns:a14="http://schemas.microsoft.com/office/drawing/2010/main" xmlns="" w="9525">
+                <a14:hiddenLine xmlns="" xmlns:a14="http://schemas.microsoft.com/office/drawing/2010/main" w="9525">
                   <a:solidFill>
                     <a:srgbClr val="000000"/>
                   </a:solidFill>
@@ -4408,7 +4408,7 @@
           <a:p>
             <a:fld id="{48A87A34-81AB-432B-8DAE-1953F412C126}" type="datetimeFigureOut">
               <a:rPr lang="en-US" dirty="0"/>
-              <a:t>4/26/2017</a:t>
+              <a:t>4/27/2017</a:t>
             </a:fld>
             <a:endParaRPr lang="en-US" dirty="0"/>
           </a:p>
@@ -4670,7 +4670,7 @@
           <a:p>
             <a:fld id="{48A87A34-81AB-432B-8DAE-1953F412C126}" type="datetimeFigureOut">
               <a:rPr lang="en-US" dirty="0"/>
-              <a:t>4/26/2017</a:t>
+              <a:t>4/27/2017</a:t>
             </a:fld>
             <a:endParaRPr lang="en-US" dirty="0"/>
           </a:p>
@@ -4861,7 +4861,7 @@
           <a:p>
             <a:fld id="{48A87A34-81AB-432B-8DAE-1953F412C126}" type="datetimeFigureOut">
               <a:rPr lang="en-US" dirty="0"/>
-              <a:t>4/26/2017</a:t>
+              <a:t>4/27/2017</a:t>
             </a:fld>
             <a:endParaRPr lang="en-US" dirty="0"/>
           </a:p>
@@ -5119,7 +5119,7 @@
           <a:p>
             <a:fld id="{48A87A34-81AB-432B-8DAE-1953F412C126}" type="datetimeFigureOut">
               <a:rPr lang="en-US" dirty="0"/>
-              <a:t>4/26/2017</a:t>
+              <a:t>4/27/2017</a:t>
             </a:fld>
             <a:endParaRPr lang="en-US" dirty="0"/>
           </a:p>
@@ -5548,7 +5548,7 @@
           <a:p>
             <a:fld id="{48A87A34-81AB-432B-8DAE-1953F412C126}" type="datetimeFigureOut">
               <a:rPr lang="en-US" dirty="0"/>
-              <a:t>4/26/2017</a:t>
+              <a:t>4/27/2017</a:t>
             </a:fld>
             <a:endParaRPr lang="en-US" dirty="0"/>
           </a:p>
@@ -6089,7 +6089,7 @@
           <a:p>
             <a:fld id="{48A87A34-81AB-432B-8DAE-1953F412C126}" type="datetimeFigureOut">
               <a:rPr lang="en-US" dirty="0"/>
-              <a:t>4/26/2017</a:t>
+              <a:t>4/27/2017</a:t>
             </a:fld>
             <a:endParaRPr lang="en-US" dirty="0"/>
           </a:p>
@@ -6804,7 +6804,7 @@
           <a:p>
             <a:fld id="{48A87A34-81AB-432B-8DAE-1953F412C126}" type="datetimeFigureOut">
               <a:rPr lang="en-US" dirty="0"/>
-              <a:t>4/26/2017</a:t>
+              <a:t>4/27/2017</a:t>
             </a:fld>
             <a:endParaRPr lang="en-US" dirty="0"/>
           </a:p>
@@ -6969,7 +6969,7 @@
           <a:p>
             <a:fld id="{48A87A34-81AB-432B-8DAE-1953F412C126}" type="datetimeFigureOut">
               <a:rPr lang="en-US" dirty="0"/>
-              <a:t>4/26/2017</a:t>
+              <a:t>4/27/2017</a:t>
             </a:fld>
             <a:endParaRPr lang="en-US" dirty="0"/>
           </a:p>
@@ -7144,7 +7144,7 @@
           <a:p>
             <a:fld id="{48A87A34-81AB-432B-8DAE-1953F412C126}" type="datetimeFigureOut">
               <a:rPr lang="en-US" dirty="0"/>
-              <a:t>4/26/2017</a:t>
+              <a:t>4/27/2017</a:t>
             </a:fld>
             <a:endParaRPr lang="en-US" dirty="0"/>
           </a:p>
@@ -7309,7 +7309,7 @@
           <a:p>
             <a:fld id="{48A87A34-81AB-432B-8DAE-1953F412C126}" type="datetimeFigureOut">
               <a:rPr lang="en-US" dirty="0"/>
-              <a:t>4/26/2017</a:t>
+              <a:t>4/27/2017</a:t>
             </a:fld>
             <a:endParaRPr lang="en-US" dirty="0"/>
           </a:p>
@@ -7554,7 +7554,7 @@
           <a:p>
             <a:fld id="{48A87A34-81AB-432B-8DAE-1953F412C126}" type="datetimeFigureOut">
               <a:rPr lang="en-US" dirty="0"/>
-              <a:t>4/26/2017</a:t>
+              <a:t>4/27/2017</a:t>
             </a:fld>
             <a:endParaRPr lang="en-US" dirty="0"/>
           </a:p>
@@ -7781,7 +7781,7 @@
           <a:p>
             <a:fld id="{48A87A34-81AB-432B-8DAE-1953F412C126}" type="datetimeFigureOut">
               <a:rPr lang="en-US" dirty="0"/>
-              <a:t>4/26/2017</a:t>
+              <a:t>4/27/2017</a:t>
             </a:fld>
             <a:endParaRPr lang="en-US" dirty="0"/>
           </a:p>
@@ -8157,7 +8157,7 @@
           <a:p>
             <a:fld id="{48A87A34-81AB-432B-8DAE-1953F412C126}" type="datetimeFigureOut">
               <a:rPr lang="en-US" dirty="0"/>
-              <a:t>4/26/2017</a:t>
+              <a:t>4/27/2017</a:t>
             </a:fld>
             <a:endParaRPr lang="en-US" dirty="0"/>
           </a:p>
@@ -8270,7 +8270,7 @@
           <a:p>
             <a:fld id="{48A87A34-81AB-432B-8DAE-1953F412C126}" type="datetimeFigureOut">
               <a:rPr lang="en-US" dirty="0"/>
-              <a:t>4/26/2017</a:t>
+              <a:t>4/27/2017</a:t>
             </a:fld>
             <a:endParaRPr lang="en-US" dirty="0"/>
           </a:p>
@@ -8360,7 +8360,7 @@
           <a:p>
             <a:fld id="{48A87A34-81AB-432B-8DAE-1953F412C126}" type="datetimeFigureOut">
               <a:rPr lang="en-US" dirty="0"/>
-              <a:t>4/26/2017</a:t>
+              <a:t>4/27/2017</a:t>
             </a:fld>
             <a:endParaRPr lang="en-US" dirty="0"/>
           </a:p>
@@ -8604,7 +8604,7 @@
           <a:p>
             <a:fld id="{48A87A34-81AB-432B-8DAE-1953F412C126}" type="datetimeFigureOut">
               <a:rPr lang="en-US" dirty="0"/>
-              <a:t>4/26/2017</a:t>
+              <a:t>4/27/2017</a:t>
             </a:fld>
             <a:endParaRPr lang="en-US" dirty="0"/>
           </a:p>
@@ -8879,7 +8879,7 @@
           <a:p>
             <a:fld id="{48A87A34-81AB-432B-8DAE-1953F412C126}" type="datetimeFigureOut">
               <a:rPr lang="en-US" dirty="0"/>
-              <a:t>4/26/2017</a:t>
+              <a:t>4/27/2017</a:t>
             </a:fld>
             <a:endParaRPr lang="en-US" dirty="0"/>
           </a:p>
@@ -8990,7 +8990,7 @@
           <a:noFill/>
           <a:extLst>
             <a:ext uri="{909E8E84-426E-40dd-AFC4-6F175D3DCCD1}">
-              <a14:hiddenFill xmlns:a14="http://schemas.microsoft.com/office/drawing/2010/main" xmlns="">
+              <a14:hiddenFill xmlns="" xmlns:a14="http://schemas.microsoft.com/office/drawing/2010/main">
                 <a:solidFill>
                   <a:srgbClr val="FFFFFF"/>
                 </a:solidFill>
@@ -9064,7 +9064,7 @@
               </a:ln>
               <a:extLst>
                 <a:ext uri="{91240B29-F687-4f45-9708-019B960494DF}">
-                  <a14:hiddenLine xmlns:a14="http://schemas.microsoft.com/office/drawing/2010/main" xmlns="" w="9525">
+                  <a14:hiddenLine xmlns="" xmlns:a14="http://schemas.microsoft.com/office/drawing/2010/main" w="9525">
                     <a:solidFill>
                       <a:srgbClr val="000000"/>
                     </a:solidFill>
@@ -9154,7 +9154,7 @@
               </a:ln>
               <a:extLst>
                 <a:ext uri="{91240B29-F687-4f45-9708-019B960494DF}">
-                  <a14:hiddenLine xmlns:a14="http://schemas.microsoft.com/office/drawing/2010/main" xmlns="" w="9525">
+                  <a14:hiddenLine xmlns="" xmlns:a14="http://schemas.microsoft.com/office/drawing/2010/main" w="9525">
                     <a:solidFill>
                       <a:srgbClr val="000000"/>
                     </a:solidFill>
@@ -9244,7 +9244,7 @@
               </a:ln>
               <a:extLst>
                 <a:ext uri="{91240B29-F687-4f45-9708-019B960494DF}">
-                  <a14:hiddenLine xmlns:a14="http://schemas.microsoft.com/office/drawing/2010/main" xmlns="" w="9525">
+                  <a14:hiddenLine xmlns="" xmlns:a14="http://schemas.microsoft.com/office/drawing/2010/main" w="9525">
                     <a:solidFill>
                       <a:srgbClr val="000000"/>
                     </a:solidFill>
@@ -9306,7 +9306,7 @@
               </a:ln>
               <a:extLst>
                 <a:ext uri="{91240B29-F687-4f45-9708-019B960494DF}">
-                  <a14:hiddenLine xmlns:a14="http://schemas.microsoft.com/office/drawing/2010/main" xmlns="" w="9525">
+                  <a14:hiddenLine xmlns="" xmlns:a14="http://schemas.microsoft.com/office/drawing/2010/main" w="9525">
                     <a:solidFill>
                       <a:srgbClr val="000000"/>
                     </a:solidFill>
@@ -9396,7 +9396,7 @@
               </a:ln>
               <a:extLst>
                 <a:ext uri="{91240B29-F687-4f45-9708-019B960494DF}">
-                  <a14:hiddenLine xmlns:a14="http://schemas.microsoft.com/office/drawing/2010/main" xmlns="" w="9525">
+                  <a14:hiddenLine xmlns="" xmlns:a14="http://schemas.microsoft.com/office/drawing/2010/main" w="9525">
                     <a:solidFill>
                       <a:srgbClr val="000000"/>
                     </a:solidFill>
@@ -9458,7 +9458,7 @@
               </a:ln>
               <a:extLst>
                 <a:ext uri="{91240B29-F687-4f45-9708-019B960494DF}">
-                  <a14:hiddenLine xmlns:a14="http://schemas.microsoft.com/office/drawing/2010/main" xmlns="" w="9525">
+                  <a14:hiddenLine xmlns="" xmlns:a14="http://schemas.microsoft.com/office/drawing/2010/main" w="9525">
                     <a:solidFill>
                       <a:srgbClr val="000000"/>
                     </a:solidFill>
@@ -9520,7 +9520,7 @@
               </a:ln>
               <a:extLst>
                 <a:ext uri="{91240B29-F687-4f45-9708-019B960494DF}">
-                  <a14:hiddenLine xmlns:a14="http://schemas.microsoft.com/office/drawing/2010/main" xmlns="" w="9525">
+                  <a14:hiddenLine xmlns="" xmlns:a14="http://schemas.microsoft.com/office/drawing/2010/main" w="9525">
                     <a:solidFill>
                       <a:srgbClr val="000000"/>
                     </a:solidFill>
@@ -9610,7 +9610,7 @@
               </a:ln>
               <a:extLst>
                 <a:ext uri="{91240B29-F687-4f45-9708-019B960494DF}">
-                  <a14:hiddenLine xmlns:a14="http://schemas.microsoft.com/office/drawing/2010/main" xmlns="" w="9525">
+                  <a14:hiddenLine xmlns="" xmlns:a14="http://schemas.microsoft.com/office/drawing/2010/main" w="9525">
                     <a:solidFill>
                       <a:srgbClr val="000000"/>
                     </a:solidFill>
@@ -9700,7 +9700,7 @@
               </a:ln>
               <a:extLst>
                 <a:ext uri="{91240B29-F687-4f45-9708-019B960494DF}">
-                  <a14:hiddenLine xmlns:a14="http://schemas.microsoft.com/office/drawing/2010/main" xmlns="" w="9525">
+                  <a14:hiddenLine xmlns="" xmlns:a14="http://schemas.microsoft.com/office/drawing/2010/main" w="9525">
                     <a:solidFill>
                       <a:srgbClr val="000000"/>
                     </a:solidFill>
@@ -9762,7 +9762,7 @@
               </a:ln>
               <a:extLst>
                 <a:ext uri="{91240B29-F687-4f45-9708-019B960494DF}">
-                  <a14:hiddenLine xmlns:a14="http://schemas.microsoft.com/office/drawing/2010/main" xmlns="" w="9525">
+                  <a14:hiddenLine xmlns="" xmlns:a14="http://schemas.microsoft.com/office/drawing/2010/main" w="9525">
                     <a:solidFill>
                       <a:srgbClr val="000000"/>
                     </a:solidFill>
@@ -9872,7 +9872,7 @@
               </a:ln>
               <a:extLst>
                 <a:ext uri="{91240B29-F687-4f45-9708-019B960494DF}">
-                  <a14:hiddenLine xmlns:a14="http://schemas.microsoft.com/office/drawing/2010/main" xmlns="" w="9525">
+                  <a14:hiddenLine xmlns="" xmlns:a14="http://schemas.microsoft.com/office/drawing/2010/main" w="9525">
                     <a:solidFill>
                       <a:srgbClr val="000000"/>
                     </a:solidFill>
@@ -9956,7 +9956,7 @@
               </a:ln>
               <a:extLst>
                 <a:ext uri="{91240B29-F687-4f45-9708-019B960494DF}">
-                  <a14:hiddenLine xmlns:a14="http://schemas.microsoft.com/office/drawing/2010/main" xmlns="" w="9525">
+                  <a14:hiddenLine xmlns="" xmlns:a14="http://schemas.microsoft.com/office/drawing/2010/main" w="9525">
                     <a:solidFill>
                       <a:srgbClr val="000000"/>
                     </a:solidFill>
@@ -10018,7 +10018,7 @@
               </a:ln>
               <a:extLst>
                 <a:ext uri="{91240B29-F687-4f45-9708-019B960494DF}">
-                  <a14:hiddenLine xmlns:a14="http://schemas.microsoft.com/office/drawing/2010/main" xmlns="" w="9525">
+                  <a14:hiddenLine xmlns="" xmlns:a14="http://schemas.microsoft.com/office/drawing/2010/main" w="9525">
                     <a:solidFill>
                       <a:srgbClr val="000000"/>
                     </a:solidFill>
@@ -10080,7 +10080,7 @@
               </a:ln>
               <a:extLst>
                 <a:ext uri="{91240B29-F687-4f45-9708-019B960494DF}">
-                  <a14:hiddenLine xmlns:a14="http://schemas.microsoft.com/office/drawing/2010/main" xmlns="" w="9525">
+                  <a14:hiddenLine xmlns="" xmlns:a14="http://schemas.microsoft.com/office/drawing/2010/main" w="9525">
                     <a:solidFill>
                       <a:srgbClr val="000000"/>
                     </a:solidFill>
@@ -10170,7 +10170,7 @@
               </a:ln>
               <a:extLst>
                 <a:ext uri="{91240B29-F687-4f45-9708-019B960494DF}">
-                  <a14:hiddenLine xmlns:a14="http://schemas.microsoft.com/office/drawing/2010/main" xmlns="" w="9525">
+                  <a14:hiddenLine xmlns="" xmlns:a14="http://schemas.microsoft.com/office/drawing/2010/main" w="9525">
                     <a:solidFill>
                       <a:srgbClr val="000000"/>
                     </a:solidFill>
@@ -10204,7 +10204,7 @@
               </a:ln>
               <a:extLst>
                 <a:ext uri="{91240B29-F687-4f45-9708-019B960494DF}">
-                  <a14:hiddenLine xmlns:a14="http://schemas.microsoft.com/office/drawing/2010/main" xmlns="" w="9525">
+                  <a14:hiddenLine xmlns="" xmlns:a14="http://schemas.microsoft.com/office/drawing/2010/main" w="9525">
                     <a:solidFill>
                       <a:srgbClr val="000000"/>
                     </a:solidFill>
@@ -10269,7 +10269,7 @@
               </a:ln>
               <a:extLst>
                 <a:ext uri="{91240B29-F687-4f45-9708-019B960494DF}">
-                  <a14:hiddenLine xmlns:a14="http://schemas.microsoft.com/office/drawing/2010/main" xmlns="" w="9525">
+                  <a14:hiddenLine xmlns="" xmlns:a14="http://schemas.microsoft.com/office/drawing/2010/main" w="9525">
                     <a:solidFill>
                       <a:srgbClr val="000000"/>
                     </a:solidFill>
@@ -10359,7 +10359,7 @@
               </a:ln>
               <a:extLst>
                 <a:ext uri="{91240B29-F687-4f45-9708-019B960494DF}">
-                  <a14:hiddenLine xmlns:a14="http://schemas.microsoft.com/office/drawing/2010/main" xmlns="" w="9525">
+                  <a14:hiddenLine xmlns="" xmlns:a14="http://schemas.microsoft.com/office/drawing/2010/main" w="9525">
                     <a:solidFill>
                       <a:srgbClr val="000000"/>
                     </a:solidFill>
@@ -10421,7 +10421,7 @@
               </a:ln>
               <a:extLst>
                 <a:ext uri="{91240B29-F687-4f45-9708-019B960494DF}">
-                  <a14:hiddenLine xmlns:a14="http://schemas.microsoft.com/office/drawing/2010/main" xmlns="" w="9525">
+                  <a14:hiddenLine xmlns="" xmlns:a14="http://schemas.microsoft.com/office/drawing/2010/main" w="9525">
                     <a:solidFill>
                       <a:srgbClr val="000000"/>
                     </a:solidFill>
@@ -10511,7 +10511,7 @@
               </a:ln>
               <a:extLst>
                 <a:ext uri="{91240B29-F687-4f45-9708-019B960494DF}">
-                  <a14:hiddenLine xmlns:a14="http://schemas.microsoft.com/office/drawing/2010/main" xmlns="" w="9525">
+                  <a14:hiddenLine xmlns="" xmlns:a14="http://schemas.microsoft.com/office/drawing/2010/main" w="9525">
                     <a:solidFill>
                       <a:srgbClr val="000000"/>
                     </a:solidFill>
@@ -10576,7 +10576,7 @@
               </a:ln>
               <a:extLst>
                 <a:ext uri="{91240B29-F687-4f45-9708-019B960494DF}">
-                  <a14:hiddenLine xmlns:a14="http://schemas.microsoft.com/office/drawing/2010/main" xmlns="" w="9525">
+                  <a14:hiddenLine xmlns="" xmlns:a14="http://schemas.microsoft.com/office/drawing/2010/main" w="9525">
                     <a:solidFill>
                       <a:srgbClr val="000000"/>
                     </a:solidFill>
@@ -10638,7 +10638,7 @@
               </a:ln>
               <a:extLst>
                 <a:ext uri="{91240B29-F687-4f45-9708-019B960494DF}">
-                  <a14:hiddenLine xmlns:a14="http://schemas.microsoft.com/office/drawing/2010/main" xmlns="" w="9525">
+                  <a14:hiddenLine xmlns="" xmlns:a14="http://schemas.microsoft.com/office/drawing/2010/main" w="9525">
                     <a:solidFill>
                       <a:srgbClr val="000000"/>
                     </a:solidFill>
@@ -10728,7 +10728,7 @@
               </a:ln>
               <a:extLst>
                 <a:ext uri="{91240B29-F687-4f45-9708-019B960494DF}">
-                  <a14:hiddenLine xmlns:a14="http://schemas.microsoft.com/office/drawing/2010/main" xmlns="" w="9525">
+                  <a14:hiddenLine xmlns="" xmlns:a14="http://schemas.microsoft.com/office/drawing/2010/main" w="9525">
                     <a:solidFill>
                       <a:srgbClr val="000000"/>
                     </a:solidFill>
@@ -10818,7 +10818,7 @@
               </a:ln>
               <a:extLst>
                 <a:ext uri="{91240B29-F687-4f45-9708-019B960494DF}">
-                  <a14:hiddenLine xmlns:a14="http://schemas.microsoft.com/office/drawing/2010/main" xmlns="" w="9525">
+                  <a14:hiddenLine xmlns="" xmlns:a14="http://schemas.microsoft.com/office/drawing/2010/main" w="9525">
                     <a:solidFill>
                       <a:srgbClr val="000000"/>
                     </a:solidFill>
@@ -10883,7 +10883,7 @@
               </a:ln>
               <a:extLst>
                 <a:ext uri="{91240B29-F687-4f45-9708-019B960494DF}">
-                  <a14:hiddenLine xmlns:a14="http://schemas.microsoft.com/office/drawing/2010/main" xmlns="" w="9525">
+                  <a14:hiddenLine xmlns="" xmlns:a14="http://schemas.microsoft.com/office/drawing/2010/main" w="9525">
                     <a:solidFill>
                       <a:srgbClr val="000000"/>
                     </a:solidFill>
@@ -11003,7 +11003,7 @@
               </a:ln>
               <a:extLst>
                 <a:ext uri="{91240B29-F687-4f45-9708-019B960494DF}">
-                  <a14:hiddenLine xmlns:a14="http://schemas.microsoft.com/office/drawing/2010/main" xmlns="" w="9525">
+                  <a14:hiddenLine xmlns="" xmlns:a14="http://schemas.microsoft.com/office/drawing/2010/main" w="9525">
                     <a:solidFill>
                       <a:srgbClr val="000000"/>
                     </a:solidFill>
@@ -11101,7 +11101,7 @@
               </a:ln>
               <a:extLst>
                 <a:ext uri="{91240B29-F687-4f45-9708-019B960494DF}">
-                  <a14:hiddenLine xmlns:a14="http://schemas.microsoft.com/office/drawing/2010/main" xmlns="" w="9525">
+                  <a14:hiddenLine xmlns="" xmlns:a14="http://schemas.microsoft.com/office/drawing/2010/main" w="9525">
                     <a:solidFill>
                       <a:srgbClr val="000000"/>
                     </a:solidFill>
@@ -11216,7 +11216,7 @@
               </a:ln>
               <a:extLst>
                 <a:ext uri="{91240B29-F687-4f45-9708-019B960494DF}">
-                  <a14:hiddenLine xmlns:a14="http://schemas.microsoft.com/office/drawing/2010/main" xmlns="" w="9525">
+                  <a14:hiddenLine xmlns="" xmlns:a14="http://schemas.microsoft.com/office/drawing/2010/main" w="9525">
                     <a:solidFill>
                       <a:srgbClr val="000000"/>
                     </a:solidFill>
@@ -11306,7 +11306,7 @@
               </a:ln>
               <a:extLst>
                 <a:ext uri="{91240B29-F687-4f45-9708-019B960494DF}">
-                  <a14:hiddenLine xmlns:a14="http://schemas.microsoft.com/office/drawing/2010/main" xmlns="" w="9525">
+                  <a14:hiddenLine xmlns="" xmlns:a14="http://schemas.microsoft.com/office/drawing/2010/main" w="9525">
                     <a:solidFill>
                       <a:srgbClr val="000000"/>
                     </a:solidFill>
@@ -11371,7 +11371,7 @@
               </a:ln>
               <a:extLst>
                 <a:ext uri="{91240B29-F687-4f45-9708-019B960494DF}">
-                  <a14:hiddenLine xmlns:a14="http://schemas.microsoft.com/office/drawing/2010/main" xmlns="" w="9525">
+                  <a14:hiddenLine xmlns="" xmlns:a14="http://schemas.microsoft.com/office/drawing/2010/main" w="9525">
                     <a:solidFill>
                       <a:srgbClr val="000000"/>
                     </a:solidFill>
@@ -11461,7 +11461,7 @@
               </a:ln>
               <a:extLst>
                 <a:ext uri="{91240B29-F687-4f45-9708-019B960494DF}">
-                  <a14:hiddenLine xmlns:a14="http://schemas.microsoft.com/office/drawing/2010/main" xmlns="" w="9525">
+                  <a14:hiddenLine xmlns="" xmlns:a14="http://schemas.microsoft.com/office/drawing/2010/main" w="9525">
                     <a:solidFill>
                       <a:srgbClr val="000000"/>
                     </a:solidFill>
@@ -11529,7 +11529,7 @@
               </a:ln>
               <a:extLst>
                 <a:ext uri="{91240B29-F687-4f45-9708-019B960494DF}">
-                  <a14:hiddenLine xmlns:a14="http://schemas.microsoft.com/office/drawing/2010/main" xmlns="" w="9525">
+                  <a14:hiddenLine xmlns="" xmlns:a14="http://schemas.microsoft.com/office/drawing/2010/main" w="9525">
                     <a:solidFill>
                       <a:srgbClr val="000000"/>
                     </a:solidFill>
@@ -11619,7 +11619,7 @@
               </a:ln>
               <a:extLst>
                 <a:ext uri="{91240B29-F687-4f45-9708-019B960494DF}">
-                  <a14:hiddenLine xmlns:a14="http://schemas.microsoft.com/office/drawing/2010/main" xmlns="" w="9525">
+                  <a14:hiddenLine xmlns="" xmlns:a14="http://schemas.microsoft.com/office/drawing/2010/main" w="9525">
                     <a:solidFill>
                       <a:srgbClr val="000000"/>
                     </a:solidFill>
@@ -11687,7 +11687,7 @@
               </a:ln>
               <a:extLst>
                 <a:ext uri="{91240B29-F687-4f45-9708-019B960494DF}">
-                  <a14:hiddenLine xmlns:a14="http://schemas.microsoft.com/office/drawing/2010/main" xmlns="" w="9525">
+                  <a14:hiddenLine xmlns="" xmlns:a14="http://schemas.microsoft.com/office/drawing/2010/main" w="9525">
                     <a:solidFill>
                       <a:srgbClr val="000000"/>
                     </a:solidFill>
@@ -11777,7 +11777,7 @@
               </a:ln>
               <a:extLst>
                 <a:ext uri="{91240B29-F687-4f45-9708-019B960494DF}">
-                  <a14:hiddenLine xmlns:a14="http://schemas.microsoft.com/office/drawing/2010/main" xmlns="" w="9525">
+                  <a14:hiddenLine xmlns="" xmlns:a14="http://schemas.microsoft.com/office/drawing/2010/main" w="9525">
                     <a:solidFill>
                       <a:srgbClr val="000000"/>
                     </a:solidFill>
@@ -11811,7 +11811,7 @@
               </a:ln>
               <a:extLst>
                 <a:ext uri="{91240B29-F687-4f45-9708-019B960494DF}">
-                  <a14:hiddenLine xmlns:a14="http://schemas.microsoft.com/office/drawing/2010/main" xmlns="" w="9525">
+                  <a14:hiddenLine xmlns="" xmlns:a14="http://schemas.microsoft.com/office/drawing/2010/main" w="9525">
                     <a:solidFill>
                       <a:srgbClr val="000000"/>
                     </a:solidFill>
@@ -11952,7 +11952,7 @@
             <a:fld id="{48A87A34-81AB-432B-8DAE-1953F412C126}" type="datetimeFigureOut">
               <a:rPr lang="en-US" dirty="0"/>
               <a:pPr/>
-              <a:t>4/26/2017</a:t>
+              <a:t>4/27/2017</a:t>
             </a:fld>
             <a:endParaRPr lang="en-US" dirty="0"/>
           </a:p>
@@ -12529,7 +12529,12 @@
             <p:ph idx="1"/>
           </p:nvPr>
         </p:nvSpPr>
-        <p:spPr/>
+        <p:spPr>
+          <a:xfrm>
+            <a:off x="19623" y="3239301"/>
+            <a:ext cx="9905999" cy="3541714"/>
+          </a:xfrm>
+        </p:spPr>
         <p:txBody>
           <a:bodyPr>
             <a:normAutofit/>
@@ -12661,6 +12666,34 @@
           </a:p>
         </p:txBody>
       </p:sp>
+      <p:pic>
+        <p:nvPicPr>
+          <p:cNvPr id="4" name="Picture 3"/>
+          <p:cNvPicPr/>
+          <p:nvPr/>
+        </p:nvPicPr>
+        <p:blipFill>
+          <a:blip r:embed="rId2">
+            <a:extLst>
+              <a:ext uri="{28A0092B-C50C-407E-A947-70E740481C1C}">
+                <a14:useLocalDpi xmlns:a14="http://schemas.microsoft.com/office/drawing/2010/main" val="0"/>
+              </a:ext>
+            </a:extLst>
+          </a:blip>
+          <a:stretch>
+            <a:fillRect/>
+          </a:stretch>
+        </p:blipFill>
+        <p:spPr>
+          <a:xfrm>
+            <a:off x="6094412" y="80920"/>
+            <a:ext cx="5922833" cy="3670948"/>
+          </a:xfrm>
+          <a:prstGeom prst="rect">
+            <a:avLst/>
+          </a:prstGeom>
+        </p:spPr>
+      </p:pic>
     </p:spTree>
     <p:extLst>
       <p:ext uri="{BB962C8B-B14F-4D97-AF65-F5344CB8AC3E}">
@@ -19789,8 +19822,8 @@
           </a:p>
         </p:txBody>
       </p:sp>
-      <mc:AlternateContent xmlns:mc="http://schemas.openxmlformats.org/markup-compatibility/2006">
-        <mc:Choice xmlns:a14="http://schemas.microsoft.com/office/drawing/2010/main" Requires="a14">
+      <mc:AlternateContent xmlns:mc="http://schemas.openxmlformats.org/markup-compatibility/2006" xmlns:a14="http://schemas.microsoft.com/office/drawing/2010/main">
+        <mc:Choice Requires="a14">
           <p:sp>
             <p:nvSpPr>
               <p:cNvPr id="3" name="Content Placeholder 2"/>
@@ -19963,7 +19996,7 @@
             </p:txBody>
           </p:sp>
         </mc:Choice>
-        <mc:Fallback>
+        <mc:Fallback xmlns="">
           <p:sp>
             <p:nvSpPr>
               <p:cNvPr id="3" name="Content Placeholder 2"/>
@@ -22403,11 +22436,13 @@
         <p:spPr>
           <a:xfrm>
             <a:off x="181809" y="2097088"/>
-            <a:ext cx="9905999" cy="4187598"/>
+            <a:ext cx="9905999" cy="4652504"/>
           </a:xfrm>
         </p:spPr>
         <p:txBody>
-          <a:bodyPr/>
+          <a:bodyPr>
+            <a:normAutofit lnSpcReduction="10000"/>
+          </a:bodyPr>
           <a:lstStyle/>
           <a:p>
             <a:r>
@@ -22467,6 +22502,20 @@
             <a:r>
               <a:rPr lang="en-US" dirty="0"/>
               <a:t>Subsampling of Frequent Words</a:t>
+            </a:r>
+          </a:p>
+          <a:p>
+            <a:pPr lvl="0"/>
+            <a:r>
+              <a:rPr lang="en-US" dirty="0"/>
+              <a:t>Programming language: Python</a:t>
+            </a:r>
+          </a:p>
+          <a:p>
+            <a:pPr lvl="0"/>
+            <a:r>
+              <a:rPr lang="en-US" dirty="0"/>
+              <a:t>Code size: more than 1000</a:t>
             </a:r>
           </a:p>
           <a:p>
@@ -23006,6 +23055,128 @@
                                           <p:spTgt spid="3">
                                             <p:txEl>
                                               <p:pRg st="6" end="6"/>
+                                            </p:txEl>
+                                          </p:spTgt>
+                                        </p:tgtEl>
+                                      </p:cBhvr>
+                                    </p:animEffect>
+                                  </p:childTnLst>
+                                </p:cTn>
+                              </p:par>
+                            </p:childTnLst>
+                          </p:cTn>
+                        </p:par>
+                      </p:childTnLst>
+                    </p:cTn>
+                  </p:par>
+                  <p:par>
+                    <p:cTn id="42" fill="hold">
+                      <p:stCondLst>
+                        <p:cond delay="indefinite"/>
+                      </p:stCondLst>
+                      <p:childTnLst>
+                        <p:par>
+                          <p:cTn id="43" fill="hold">
+                            <p:stCondLst>
+                              <p:cond delay="0"/>
+                            </p:stCondLst>
+                            <p:childTnLst>
+                              <p:par>
+                                <p:cTn id="44" presetID="10" presetClass="entr" presetSubtype="0" fill="hold" grpId="0" nodeType="clickEffect">
+                                  <p:stCondLst>
+                                    <p:cond delay="0"/>
+                                  </p:stCondLst>
+                                  <p:childTnLst>
+                                    <p:set>
+                                      <p:cBhvr>
+                                        <p:cTn id="45" dur="1" fill="hold">
+                                          <p:stCondLst>
+                                            <p:cond delay="0"/>
+                                          </p:stCondLst>
+                                        </p:cTn>
+                                        <p:tgtEl>
+                                          <p:spTgt spid="3">
+                                            <p:txEl>
+                                              <p:pRg st="7" end="7"/>
+                                            </p:txEl>
+                                          </p:spTgt>
+                                        </p:tgtEl>
+                                        <p:attrNameLst>
+                                          <p:attrName>style.visibility</p:attrName>
+                                        </p:attrNameLst>
+                                      </p:cBhvr>
+                                      <p:to>
+                                        <p:strVal val="visible"/>
+                                      </p:to>
+                                    </p:set>
+                                    <p:animEffect transition="in" filter="fade">
+                                      <p:cBhvr>
+                                        <p:cTn id="46" dur="500"/>
+                                        <p:tgtEl>
+                                          <p:spTgt spid="3">
+                                            <p:txEl>
+                                              <p:pRg st="7" end="7"/>
+                                            </p:txEl>
+                                          </p:spTgt>
+                                        </p:tgtEl>
+                                      </p:cBhvr>
+                                    </p:animEffect>
+                                  </p:childTnLst>
+                                </p:cTn>
+                              </p:par>
+                            </p:childTnLst>
+                          </p:cTn>
+                        </p:par>
+                      </p:childTnLst>
+                    </p:cTn>
+                  </p:par>
+                  <p:par>
+                    <p:cTn id="47" fill="hold">
+                      <p:stCondLst>
+                        <p:cond delay="indefinite"/>
+                      </p:stCondLst>
+                      <p:childTnLst>
+                        <p:par>
+                          <p:cTn id="48" fill="hold">
+                            <p:stCondLst>
+                              <p:cond delay="0"/>
+                            </p:stCondLst>
+                            <p:childTnLst>
+                              <p:par>
+                                <p:cTn id="49" presetID="10" presetClass="entr" presetSubtype="0" fill="hold" grpId="0" nodeType="clickEffect">
+                                  <p:stCondLst>
+                                    <p:cond delay="0"/>
+                                  </p:stCondLst>
+                                  <p:childTnLst>
+                                    <p:set>
+                                      <p:cBhvr>
+                                        <p:cTn id="50" dur="1" fill="hold">
+                                          <p:stCondLst>
+                                            <p:cond delay="0"/>
+                                          </p:stCondLst>
+                                        </p:cTn>
+                                        <p:tgtEl>
+                                          <p:spTgt spid="3">
+                                            <p:txEl>
+                                              <p:pRg st="8" end="8"/>
+                                            </p:txEl>
+                                          </p:spTgt>
+                                        </p:tgtEl>
+                                        <p:attrNameLst>
+                                          <p:attrName>style.visibility</p:attrName>
+                                        </p:attrNameLst>
+                                      </p:cBhvr>
+                                      <p:to>
+                                        <p:strVal val="visible"/>
+                                      </p:to>
+                                    </p:set>
+                                    <p:animEffect transition="in" filter="fade">
+                                      <p:cBhvr>
+                                        <p:cTn id="51" dur="500"/>
+                                        <p:tgtEl>
+                                          <p:spTgt spid="3">
+                                            <p:txEl>
+                                              <p:pRg st="8" end="8"/>
                                             </p:txEl>
                                           </p:spTgt>
                                         </p:tgtEl>
